--- a/Documentation/Project Presentation.pptx
+++ b/Documentation/Project Presentation.pptx
@@ -4,11 +4,23 @@
   <p:sldMasterIdLst>
     <p:sldMasterId id="2147484164" r:id="rId1"/>
   </p:sldMasterIdLst>
+  <p:notesMasterIdLst>
+    <p:notesMasterId r:id="rId15"/>
+  </p:notesMasterIdLst>
   <p:sldIdLst>
     <p:sldId id="256" r:id="rId2"/>
     <p:sldId id="257" r:id="rId3"/>
-    <p:sldId id="258" r:id="rId4"/>
-    <p:sldId id="259" r:id="rId5"/>
+    <p:sldId id="260" r:id="rId4"/>
+    <p:sldId id="261" r:id="rId5"/>
+    <p:sldId id="262" r:id="rId6"/>
+    <p:sldId id="263" r:id="rId7"/>
+    <p:sldId id="264" r:id="rId8"/>
+    <p:sldId id="258" r:id="rId9"/>
+    <p:sldId id="265" r:id="rId10"/>
+    <p:sldId id="266" r:id="rId11"/>
+    <p:sldId id="268" r:id="rId12"/>
+    <p:sldId id="267" r:id="rId13"/>
+    <p:sldId id="259" r:id="rId14"/>
   </p:sldIdLst>
   <p:sldSz cx="9144000" cy="6858000" type="screen4x3"/>
   <p:notesSz cx="6858000" cy="9144000"/>
@@ -108,6 +120,353 @@
     </a:lvl9pPr>
   </p:defaultTextStyle>
 </p:presentation>
+</file>
+
+<file path=ppt/notesMasters/notesMaster1.xml><?xml version="1.0" encoding="utf-8"?>
+<p:notesMaster xmlns:a="http://schemas.openxmlformats.org/drawingml/2006/main" xmlns:r="http://schemas.openxmlformats.org/officeDocument/2006/relationships" xmlns:p="http://schemas.openxmlformats.org/presentationml/2006/main">
+  <p:cSld>
+    <p:bg>
+      <p:bgRef idx="1001">
+        <a:schemeClr val="bg1"/>
+      </p:bgRef>
+    </p:bg>
+    <p:spTree>
+      <p:nvGrpSpPr>
+        <p:cNvPr id="1" name=""/>
+        <p:cNvGrpSpPr/>
+        <p:nvPr/>
+      </p:nvGrpSpPr>
+      <p:grpSpPr>
+        <a:xfrm>
+          <a:off x="0" y="0"/>
+          <a:ext cx="0" cy="0"/>
+          <a:chOff x="0" y="0"/>
+          <a:chExt cx="0" cy="0"/>
+        </a:xfrm>
+      </p:grpSpPr>
+      <p:sp>
+        <p:nvSpPr>
+          <p:cNvPr id="2" name="Верхний колонтитул 1"/>
+          <p:cNvSpPr>
+            <a:spLocks noGrp="1"/>
+          </p:cNvSpPr>
+          <p:nvPr>
+            <p:ph type="hdr" sz="quarter"/>
+          </p:nvPr>
+        </p:nvSpPr>
+        <p:spPr>
+          <a:xfrm>
+            <a:off x="0" y="0"/>
+            <a:ext cx="2971800" cy="457200"/>
+          </a:xfrm>
+          <a:prstGeom prst="rect">
+            <a:avLst/>
+          </a:prstGeom>
+        </p:spPr>
+        <p:txBody>
+          <a:bodyPr vert="horz" lIns="91440" tIns="45720" rIns="91440" bIns="45720" rtlCol="0"/>
+          <a:lstStyle>
+            <a:lvl1pPr algn="l">
+              <a:defRPr sz="1200"/>
+            </a:lvl1pPr>
+          </a:lstStyle>
+          <a:p>
+            <a:endParaRPr lang="ru-RU"/>
+          </a:p>
+        </p:txBody>
+      </p:sp>
+      <p:sp>
+        <p:nvSpPr>
+          <p:cNvPr id="3" name="Дата 2"/>
+          <p:cNvSpPr>
+            <a:spLocks noGrp="1"/>
+          </p:cNvSpPr>
+          <p:nvPr>
+            <p:ph type="dt" idx="1"/>
+          </p:nvPr>
+        </p:nvSpPr>
+        <p:spPr>
+          <a:xfrm>
+            <a:off x="3884613" y="0"/>
+            <a:ext cx="2971800" cy="457200"/>
+          </a:xfrm>
+          <a:prstGeom prst="rect">
+            <a:avLst/>
+          </a:prstGeom>
+        </p:spPr>
+        <p:txBody>
+          <a:bodyPr vert="horz" lIns="91440" tIns="45720" rIns="91440" bIns="45720" rtlCol="0"/>
+          <a:lstStyle>
+            <a:lvl1pPr algn="r">
+              <a:defRPr sz="1200"/>
+            </a:lvl1pPr>
+          </a:lstStyle>
+          <a:p>
+            <a:fld id="{87FC2D7A-BB22-421C-9FFA-5FCC2A7D04AD}" type="datetimeFigureOut">
+              <a:rPr lang="ru-RU" smtClean="0"/>
+              <a:t>22.12.2011</a:t>
+            </a:fld>
+            <a:endParaRPr lang="ru-RU"/>
+          </a:p>
+        </p:txBody>
+      </p:sp>
+      <p:sp>
+        <p:nvSpPr>
+          <p:cNvPr id="4" name="Образ слайда 3"/>
+          <p:cNvSpPr>
+            <a:spLocks noGrp="1" noRot="1" noChangeAspect="1"/>
+          </p:cNvSpPr>
+          <p:nvPr>
+            <p:ph type="sldImg" idx="2"/>
+          </p:nvPr>
+        </p:nvSpPr>
+        <p:spPr>
+          <a:xfrm>
+            <a:off x="1143000" y="685800"/>
+            <a:ext cx="4572000" cy="3429000"/>
+          </a:xfrm>
+          <a:prstGeom prst="rect">
+            <a:avLst/>
+          </a:prstGeom>
+          <a:noFill/>
+          <a:ln w="12700">
+            <a:solidFill>
+              <a:prstClr val="black"/>
+            </a:solidFill>
+          </a:ln>
+        </p:spPr>
+        <p:txBody>
+          <a:bodyPr vert="horz" lIns="91440" tIns="45720" rIns="91440" bIns="45720" rtlCol="0" anchor="ctr"/>
+          <a:lstStyle/>
+          <a:p>
+            <a:endParaRPr lang="ru-RU"/>
+          </a:p>
+        </p:txBody>
+      </p:sp>
+      <p:sp>
+        <p:nvSpPr>
+          <p:cNvPr id="5" name="Заметки 4"/>
+          <p:cNvSpPr>
+            <a:spLocks noGrp="1"/>
+          </p:cNvSpPr>
+          <p:nvPr>
+            <p:ph type="body" sz="quarter" idx="3"/>
+          </p:nvPr>
+        </p:nvSpPr>
+        <p:spPr>
+          <a:xfrm>
+            <a:off x="685800" y="4343400"/>
+            <a:ext cx="5486400" cy="4114800"/>
+          </a:xfrm>
+          <a:prstGeom prst="rect">
+            <a:avLst/>
+          </a:prstGeom>
+        </p:spPr>
+        <p:txBody>
+          <a:bodyPr vert="horz" lIns="91440" tIns="45720" rIns="91440" bIns="45720" rtlCol="0">
+            <a:normAutofit/>
+          </a:bodyPr>
+          <a:lstStyle/>
+          <a:p>
+            <a:pPr lvl="0"/>
+            <a:r>
+              <a:rPr lang="ru-RU" smtClean="0"/>
+              <a:t>Образец текста</a:t>
+            </a:r>
+          </a:p>
+          <a:p>
+            <a:pPr lvl="1"/>
+            <a:r>
+              <a:rPr lang="ru-RU" smtClean="0"/>
+              <a:t>Второй уровень</a:t>
+            </a:r>
+          </a:p>
+          <a:p>
+            <a:pPr lvl="2"/>
+            <a:r>
+              <a:rPr lang="ru-RU" smtClean="0"/>
+              <a:t>Третий уровень</a:t>
+            </a:r>
+          </a:p>
+          <a:p>
+            <a:pPr lvl="3"/>
+            <a:r>
+              <a:rPr lang="ru-RU" smtClean="0"/>
+              <a:t>Четвертый уровень</a:t>
+            </a:r>
+          </a:p>
+          <a:p>
+            <a:pPr lvl="4"/>
+            <a:r>
+              <a:rPr lang="ru-RU" smtClean="0"/>
+              <a:t>Пятый уровень</a:t>
+            </a:r>
+            <a:endParaRPr lang="ru-RU"/>
+          </a:p>
+        </p:txBody>
+      </p:sp>
+      <p:sp>
+        <p:nvSpPr>
+          <p:cNvPr id="6" name="Нижний колонтитул 5"/>
+          <p:cNvSpPr>
+            <a:spLocks noGrp="1"/>
+          </p:cNvSpPr>
+          <p:nvPr>
+            <p:ph type="ftr" sz="quarter" idx="4"/>
+          </p:nvPr>
+        </p:nvSpPr>
+        <p:spPr>
+          <a:xfrm>
+            <a:off x="0" y="8685213"/>
+            <a:ext cx="2971800" cy="457200"/>
+          </a:xfrm>
+          <a:prstGeom prst="rect">
+            <a:avLst/>
+          </a:prstGeom>
+        </p:spPr>
+        <p:txBody>
+          <a:bodyPr vert="horz" lIns="91440" tIns="45720" rIns="91440" bIns="45720" rtlCol="0" anchor="b"/>
+          <a:lstStyle>
+            <a:lvl1pPr algn="l">
+              <a:defRPr sz="1200"/>
+            </a:lvl1pPr>
+          </a:lstStyle>
+          <a:p>
+            <a:endParaRPr lang="ru-RU"/>
+          </a:p>
+        </p:txBody>
+      </p:sp>
+      <p:sp>
+        <p:nvSpPr>
+          <p:cNvPr id="7" name="Номер слайда 6"/>
+          <p:cNvSpPr>
+            <a:spLocks noGrp="1"/>
+          </p:cNvSpPr>
+          <p:nvPr>
+            <p:ph type="sldNum" sz="quarter" idx="5"/>
+          </p:nvPr>
+        </p:nvSpPr>
+        <p:spPr>
+          <a:xfrm>
+            <a:off x="3884613" y="8685213"/>
+            <a:ext cx="2971800" cy="457200"/>
+          </a:xfrm>
+          <a:prstGeom prst="rect">
+            <a:avLst/>
+          </a:prstGeom>
+        </p:spPr>
+        <p:txBody>
+          <a:bodyPr vert="horz" lIns="91440" tIns="45720" rIns="91440" bIns="45720" rtlCol="0" anchor="b"/>
+          <a:lstStyle>
+            <a:lvl1pPr algn="r">
+              <a:defRPr sz="1200"/>
+            </a:lvl1pPr>
+          </a:lstStyle>
+          <a:p>
+            <a:fld id="{4767627E-27B9-4AE6-AA7B-F0F94EA68287}" type="slidenum">
+              <a:rPr lang="ru-RU" smtClean="0"/>
+              <a:t>‹#›</a:t>
+            </a:fld>
+            <a:endParaRPr lang="ru-RU"/>
+          </a:p>
+        </p:txBody>
+      </p:sp>
+    </p:spTree>
+  </p:cSld>
+  <p:clrMap bg1="lt1" tx1="dk1" bg2="lt2" tx2="dk2" accent1="accent1" accent2="accent2" accent3="accent3" accent4="accent4" accent5="accent5" accent6="accent6" hlink="hlink" folHlink="folHlink"/>
+  <p:notesStyle>
+    <a:lvl1pPr marL="0" algn="l" defTabSz="914400" rtl="0" eaLnBrk="1" latinLnBrk="0" hangingPunct="1">
+      <a:defRPr sz="1200" kern="1200">
+        <a:solidFill>
+          <a:schemeClr val="tx1"/>
+        </a:solidFill>
+        <a:latin typeface="+mn-lt"/>
+        <a:ea typeface="+mn-ea"/>
+        <a:cs typeface="+mn-cs"/>
+      </a:defRPr>
+    </a:lvl1pPr>
+    <a:lvl2pPr marL="457200" algn="l" defTabSz="914400" rtl="0" eaLnBrk="1" latinLnBrk="0" hangingPunct="1">
+      <a:defRPr sz="1200" kern="1200">
+        <a:solidFill>
+          <a:schemeClr val="tx1"/>
+        </a:solidFill>
+        <a:latin typeface="+mn-lt"/>
+        <a:ea typeface="+mn-ea"/>
+        <a:cs typeface="+mn-cs"/>
+      </a:defRPr>
+    </a:lvl2pPr>
+    <a:lvl3pPr marL="914400" algn="l" defTabSz="914400" rtl="0" eaLnBrk="1" latinLnBrk="0" hangingPunct="1">
+      <a:defRPr sz="1200" kern="1200">
+        <a:solidFill>
+          <a:schemeClr val="tx1"/>
+        </a:solidFill>
+        <a:latin typeface="+mn-lt"/>
+        <a:ea typeface="+mn-ea"/>
+        <a:cs typeface="+mn-cs"/>
+      </a:defRPr>
+    </a:lvl3pPr>
+    <a:lvl4pPr marL="1371600" algn="l" defTabSz="914400" rtl="0" eaLnBrk="1" latinLnBrk="0" hangingPunct="1">
+      <a:defRPr sz="1200" kern="1200">
+        <a:solidFill>
+          <a:schemeClr val="tx1"/>
+        </a:solidFill>
+        <a:latin typeface="+mn-lt"/>
+        <a:ea typeface="+mn-ea"/>
+        <a:cs typeface="+mn-cs"/>
+      </a:defRPr>
+    </a:lvl4pPr>
+    <a:lvl5pPr marL="1828800" algn="l" defTabSz="914400" rtl="0" eaLnBrk="1" latinLnBrk="0" hangingPunct="1">
+      <a:defRPr sz="1200" kern="1200">
+        <a:solidFill>
+          <a:schemeClr val="tx1"/>
+        </a:solidFill>
+        <a:latin typeface="+mn-lt"/>
+        <a:ea typeface="+mn-ea"/>
+        <a:cs typeface="+mn-cs"/>
+      </a:defRPr>
+    </a:lvl5pPr>
+    <a:lvl6pPr marL="2286000" algn="l" defTabSz="914400" rtl="0" eaLnBrk="1" latinLnBrk="0" hangingPunct="1">
+      <a:defRPr sz="1200" kern="1200">
+        <a:solidFill>
+          <a:schemeClr val="tx1"/>
+        </a:solidFill>
+        <a:latin typeface="+mn-lt"/>
+        <a:ea typeface="+mn-ea"/>
+        <a:cs typeface="+mn-cs"/>
+      </a:defRPr>
+    </a:lvl6pPr>
+    <a:lvl7pPr marL="2743200" algn="l" defTabSz="914400" rtl="0" eaLnBrk="1" latinLnBrk="0" hangingPunct="1">
+      <a:defRPr sz="1200" kern="1200">
+        <a:solidFill>
+          <a:schemeClr val="tx1"/>
+        </a:solidFill>
+        <a:latin typeface="+mn-lt"/>
+        <a:ea typeface="+mn-ea"/>
+        <a:cs typeface="+mn-cs"/>
+      </a:defRPr>
+    </a:lvl7pPr>
+    <a:lvl8pPr marL="3200400" algn="l" defTabSz="914400" rtl="0" eaLnBrk="1" latinLnBrk="0" hangingPunct="1">
+      <a:defRPr sz="1200" kern="1200">
+        <a:solidFill>
+          <a:schemeClr val="tx1"/>
+        </a:solidFill>
+        <a:latin typeface="+mn-lt"/>
+        <a:ea typeface="+mn-ea"/>
+        <a:cs typeface="+mn-cs"/>
+      </a:defRPr>
+    </a:lvl8pPr>
+    <a:lvl9pPr marL="3657600" algn="l" defTabSz="914400" rtl="0" eaLnBrk="1" latinLnBrk="0" hangingPunct="1">
+      <a:defRPr sz="1200" kern="1200">
+        <a:solidFill>
+          <a:schemeClr val="tx1"/>
+        </a:solidFill>
+        <a:latin typeface="+mn-lt"/>
+        <a:ea typeface="+mn-ea"/>
+        <a:cs typeface="+mn-cs"/>
+      </a:defRPr>
+    </a:lvl9pPr>
+  </p:notesStyle>
+</p:notesMaster>
 </file>
 
 <file path=ppt/slideLayouts/slideLayout1.xml><?xml version="1.0" encoding="utf-8"?>
@@ -3865,6 +4224,371 @@
 </p:sld>
 </file>
 
+<file path=ppt/slides/slide10.xml><?xml version="1.0" encoding="utf-8"?>
+<p:sld xmlns:a="http://schemas.openxmlformats.org/drawingml/2006/main" xmlns:r="http://schemas.openxmlformats.org/officeDocument/2006/relationships" xmlns:p="http://schemas.openxmlformats.org/presentationml/2006/main">
+  <p:cSld>
+    <p:spTree>
+      <p:nvGrpSpPr>
+        <p:cNvPr id="1" name=""/>
+        <p:cNvGrpSpPr/>
+        <p:nvPr/>
+      </p:nvGrpSpPr>
+      <p:grpSpPr>
+        <a:xfrm>
+          <a:off x="0" y="0"/>
+          <a:ext cx="0" cy="0"/>
+          <a:chOff x="0" y="0"/>
+          <a:chExt cx="0" cy="0"/>
+        </a:xfrm>
+      </p:grpSpPr>
+      <p:sp>
+        <p:nvSpPr>
+          <p:cNvPr id="7" name="Заголовок 6"/>
+          <p:cNvSpPr>
+            <a:spLocks noGrp="1"/>
+          </p:cNvSpPr>
+          <p:nvPr>
+            <p:ph type="title"/>
+          </p:nvPr>
+        </p:nvSpPr>
+        <p:spPr/>
+        <p:txBody>
+          <a:bodyPr/>
+          <a:lstStyle/>
+          <a:p>
+            <a:r>
+              <a:rPr lang="ru-RU" dirty="0" smtClean="0"/>
+              <a:t>Реализация сверточной нейронной сети</a:t>
+            </a:r>
+            <a:endParaRPr lang="ru-RU" dirty="0"/>
+          </a:p>
+        </p:txBody>
+      </p:sp>
+      <p:sp>
+        <p:nvSpPr>
+          <p:cNvPr id="8" name="Содержимое 7"/>
+          <p:cNvSpPr>
+            <a:spLocks noGrp="1"/>
+          </p:cNvSpPr>
+          <p:nvPr>
+            <p:ph sz="quarter" idx="1"/>
+          </p:nvPr>
+        </p:nvSpPr>
+        <p:spPr/>
+        <p:txBody>
+          <a:bodyPr/>
+          <a:lstStyle/>
+          <a:p>
+            <a:r>
+              <a:rPr lang="ru-RU" dirty="0" smtClean="0"/>
+              <a:t>Входной уровень – 29х29 нейронов</a:t>
+            </a:r>
+          </a:p>
+          <a:p>
+            <a:r>
+              <a:rPr lang="ru-RU" dirty="0" smtClean="0"/>
+              <a:t>Первый уровень – сверточный с </a:t>
+            </a:r>
+            <a:r>
+              <a:rPr lang="ru-RU" dirty="0" smtClean="0"/>
+              <a:t>шестью картами признаков. Каждая карта признаков имеет размер </a:t>
+            </a:r>
+            <a:r>
+              <a:rPr lang="ru-RU" dirty="0" smtClean="0"/>
+              <a:t>13х13</a:t>
+            </a:r>
+          </a:p>
+          <a:p>
+            <a:r>
+              <a:rPr lang="ru-RU" dirty="0" smtClean="0"/>
+              <a:t>Второй уровень </a:t>
+            </a:r>
+            <a:r>
+              <a:rPr lang="ru-RU" dirty="0" smtClean="0"/>
+              <a:t>– сверточный, </a:t>
+            </a:r>
+            <a:r>
+              <a:rPr lang="ru-RU" dirty="0" smtClean="0"/>
+              <a:t>содержит 50 карт признаков. Каждая карта признаков имеет размер </a:t>
+            </a:r>
+            <a:r>
+              <a:rPr lang="ru-RU" dirty="0" smtClean="0"/>
+              <a:t>5х5</a:t>
+            </a:r>
+          </a:p>
+          <a:p>
+            <a:r>
+              <a:rPr lang="ru-RU" dirty="0" smtClean="0"/>
+              <a:t>Третий уровень нейронной сети – </a:t>
+            </a:r>
+            <a:r>
+              <a:rPr lang="ru-RU" dirty="0" smtClean="0"/>
+              <a:t>полный, содержит 100 нейронов</a:t>
+            </a:r>
+          </a:p>
+          <a:p>
+            <a:r>
+              <a:rPr lang="ru-RU" dirty="0" smtClean="0"/>
+              <a:t>Четвертый уровень – выходной. Это полный уровень с </a:t>
+            </a:r>
+            <a:r>
+              <a:rPr lang="ru-RU" dirty="0" smtClean="0"/>
+              <a:t>10 </a:t>
+            </a:r>
+            <a:r>
+              <a:rPr lang="ru-RU" dirty="0" smtClean="0"/>
+              <a:t>нейронами</a:t>
+            </a:r>
+            <a:endParaRPr lang="ru-RU" dirty="0"/>
+          </a:p>
+        </p:txBody>
+      </p:sp>
+    </p:spTree>
+  </p:cSld>
+  <p:clrMapOvr>
+    <a:masterClrMapping/>
+  </p:clrMapOvr>
+</p:sld>
+</file>
+
+<file path=ppt/slides/slide11.xml><?xml version="1.0" encoding="utf-8"?>
+<p:sld xmlns:a="http://schemas.openxmlformats.org/drawingml/2006/main" xmlns:r="http://schemas.openxmlformats.org/officeDocument/2006/relationships" xmlns:p="http://schemas.openxmlformats.org/presentationml/2006/main">
+  <p:cSld>
+    <p:spTree>
+      <p:nvGrpSpPr>
+        <p:cNvPr id="1" name=""/>
+        <p:cNvGrpSpPr/>
+        <p:nvPr/>
+      </p:nvGrpSpPr>
+      <p:grpSpPr>
+        <a:xfrm>
+          <a:off x="0" y="0"/>
+          <a:ext cx="0" cy="0"/>
+          <a:chOff x="0" y="0"/>
+          <a:chExt cx="0" cy="0"/>
+        </a:xfrm>
+      </p:grpSpPr>
+      <p:sp>
+        <p:nvSpPr>
+          <p:cNvPr id="2" name="Заголовок 1"/>
+          <p:cNvSpPr>
+            <a:spLocks noGrp="1"/>
+          </p:cNvSpPr>
+          <p:nvPr>
+            <p:ph type="title"/>
+          </p:nvPr>
+        </p:nvSpPr>
+        <p:spPr/>
+        <p:txBody>
+          <a:bodyPr/>
+          <a:lstStyle/>
+          <a:p>
+            <a:r>
+              <a:rPr lang="ru-RU" dirty="0" smtClean="0"/>
+              <a:t>Результаты</a:t>
+            </a:r>
+            <a:endParaRPr lang="ru-RU" dirty="0"/>
+          </a:p>
+        </p:txBody>
+      </p:sp>
+      <p:sp>
+        <p:nvSpPr>
+          <p:cNvPr id="5" name="Содержимое 4"/>
+          <p:cNvSpPr>
+            <a:spLocks noGrp="1"/>
+          </p:cNvSpPr>
+          <p:nvPr>
+            <p:ph sz="quarter" idx="1"/>
+          </p:nvPr>
+        </p:nvSpPr>
+        <p:spPr/>
+        <p:txBody>
+          <a:bodyPr/>
+          <a:lstStyle/>
+          <a:p>
+            <a:r>
+              <a:rPr lang="ru-RU" dirty="0" smtClean="0"/>
+              <a:t>После четырех циклов обучения сеть верно распознала около 92% символов из тестового набора</a:t>
+            </a:r>
+          </a:p>
+          <a:p>
+            <a:r>
+              <a:rPr lang="ru-RU" dirty="0" smtClean="0"/>
+              <a:t>Четыре цикла обучения длились в сумме около 50 минут</a:t>
+            </a:r>
+            <a:endParaRPr lang="ru-RU" dirty="0"/>
+          </a:p>
+        </p:txBody>
+      </p:sp>
+    </p:spTree>
+  </p:cSld>
+  <p:clrMapOvr>
+    <a:masterClrMapping/>
+  </p:clrMapOvr>
+</p:sld>
+</file>
+
+<file path=ppt/slides/slide12.xml><?xml version="1.0" encoding="utf-8"?>
+<p:sld xmlns:a="http://schemas.openxmlformats.org/drawingml/2006/main" xmlns:r="http://schemas.openxmlformats.org/officeDocument/2006/relationships" xmlns:p="http://schemas.openxmlformats.org/presentationml/2006/main">
+  <p:cSld>
+    <p:spTree>
+      <p:nvGrpSpPr>
+        <p:cNvPr id="1" name=""/>
+        <p:cNvGrpSpPr/>
+        <p:nvPr/>
+      </p:nvGrpSpPr>
+      <p:grpSpPr>
+        <a:xfrm>
+          <a:off x="0" y="0"/>
+          <a:ext cx="0" cy="0"/>
+          <a:chOff x="0" y="0"/>
+          <a:chExt cx="0" cy="0"/>
+        </a:xfrm>
+      </p:grpSpPr>
+      <p:sp>
+        <p:nvSpPr>
+          <p:cNvPr id="2" name="Заголовок 1"/>
+          <p:cNvSpPr>
+            <a:spLocks noGrp="1"/>
+          </p:cNvSpPr>
+          <p:nvPr>
+            <p:ph type="title"/>
+          </p:nvPr>
+        </p:nvSpPr>
+        <p:spPr/>
+        <p:txBody>
+          <a:bodyPr/>
+          <a:lstStyle/>
+          <a:p>
+            <a:r>
+              <a:rPr lang="ru-RU" dirty="0" smtClean="0"/>
+              <a:t>Результаты</a:t>
+            </a:r>
+            <a:endParaRPr lang="ru-RU" dirty="0"/>
+          </a:p>
+        </p:txBody>
+      </p:sp>
+      <p:pic>
+        <p:nvPicPr>
+          <p:cNvPr id="8" name="Содержимое 7" descr="Recognition Sample 1.png"/>
+          <p:cNvPicPr>
+            <a:picLocks noGrp="1" noChangeAspect="1"/>
+          </p:cNvPicPr>
+          <p:nvPr>
+            <p:ph sz="quarter" idx="1"/>
+          </p:nvPr>
+        </p:nvPicPr>
+        <p:blipFill>
+          <a:blip r:embed="rId2" cstate="print"/>
+          <a:stretch>
+            <a:fillRect/>
+          </a:stretch>
+        </p:blipFill>
+        <p:spPr>
+          <a:xfrm>
+            <a:off x="1134875" y="1420496"/>
+            <a:ext cx="2686425" cy="4534533"/>
+          </a:xfrm>
+        </p:spPr>
+      </p:pic>
+      <p:pic>
+        <p:nvPicPr>
+          <p:cNvPr id="9" name="Содержимое 8" descr="Recognition Sample 2.png"/>
+          <p:cNvPicPr>
+            <a:picLocks noGrp="1" noChangeAspect="1"/>
+          </p:cNvPicPr>
+          <p:nvPr>
+            <p:ph sz="quarter" idx="2"/>
+          </p:nvPr>
+        </p:nvPicPr>
+        <p:blipFill>
+          <a:blip r:embed="rId3" cstate="print"/>
+          <a:stretch>
+            <a:fillRect/>
+          </a:stretch>
+        </p:blipFill>
+        <p:spPr>
+          <a:xfrm>
+            <a:off x="5310000" y="1417321"/>
+            <a:ext cx="2686425" cy="4534533"/>
+          </a:xfrm>
+        </p:spPr>
+      </p:pic>
+    </p:spTree>
+  </p:cSld>
+  <p:clrMapOvr>
+    <a:masterClrMapping/>
+  </p:clrMapOvr>
+</p:sld>
+</file>
+
+<file path=ppt/slides/slide13.xml><?xml version="1.0" encoding="utf-8"?>
+<p:sld xmlns:a="http://schemas.openxmlformats.org/drawingml/2006/main" xmlns:r="http://schemas.openxmlformats.org/officeDocument/2006/relationships" xmlns:p="http://schemas.openxmlformats.org/presentationml/2006/main">
+  <p:cSld>
+    <p:spTree>
+      <p:nvGrpSpPr>
+        <p:cNvPr id="1" name=""/>
+        <p:cNvGrpSpPr/>
+        <p:nvPr/>
+      </p:nvGrpSpPr>
+      <p:grpSpPr>
+        <a:xfrm>
+          <a:off x="0" y="0"/>
+          <a:ext cx="0" cy="0"/>
+          <a:chOff x="0" y="0"/>
+          <a:chExt cx="0" cy="0"/>
+        </a:xfrm>
+      </p:grpSpPr>
+      <p:sp>
+        <p:nvSpPr>
+          <p:cNvPr id="5" name="Заголовок 4"/>
+          <p:cNvSpPr>
+            <a:spLocks noGrp="1"/>
+          </p:cNvSpPr>
+          <p:nvPr>
+            <p:ph type="title"/>
+          </p:nvPr>
+        </p:nvSpPr>
+        <p:spPr/>
+        <p:txBody>
+          <a:bodyPr/>
+          <a:lstStyle/>
+          <a:p>
+            <a:r>
+              <a:rPr lang="ru-RU" dirty="0" smtClean="0"/>
+              <a:t>Благодарим за внимание!</a:t>
+            </a:r>
+            <a:endParaRPr lang="ru-RU" dirty="0"/>
+          </a:p>
+        </p:txBody>
+      </p:sp>
+      <p:sp>
+        <p:nvSpPr>
+          <p:cNvPr id="6" name="Текст 5"/>
+          <p:cNvSpPr>
+            <a:spLocks noGrp="1"/>
+          </p:cNvSpPr>
+          <p:nvPr>
+            <p:ph type="body" idx="1"/>
+          </p:nvPr>
+        </p:nvSpPr>
+        <p:spPr/>
+        <p:txBody>
+          <a:bodyPr/>
+          <a:lstStyle/>
+          <a:p>
+            <a:endParaRPr lang="ru-RU"/>
+          </a:p>
+        </p:txBody>
+      </p:sp>
+    </p:spTree>
+  </p:cSld>
+  <p:clrMapOvr>
+    <a:masterClrMapping/>
+  </p:clrMapOvr>
+</p:sld>
+</file>
+
 <file path=ppt/slides/slide2.xml><?xml version="1.0" encoding="utf-8"?>
 <p:sld xmlns:a="http://schemas.openxmlformats.org/drawingml/2006/main" xmlns:r="http://schemas.openxmlformats.org/officeDocument/2006/relationships" xmlns:p="http://schemas.openxmlformats.org/presentationml/2006/main">
   <p:cSld>
@@ -3922,27 +4646,7 @@
           <a:p>
             <a:r>
               <a:rPr lang="ru-RU" dirty="0" smtClean="0"/>
-              <a:t>В качестве направления для исследований </a:t>
-            </a:r>
-            <a:r>
-              <a:rPr lang="ru-RU" dirty="0" smtClean="0"/>
-              <a:t>было выбрано </a:t>
-            </a:r>
-            <a:r>
-              <a:rPr lang="ru-RU" dirty="0" smtClean="0"/>
-              <a:t>оптическое </a:t>
-            </a:r>
-            <a:r>
-              <a:rPr lang="ru-RU" dirty="0" smtClean="0"/>
-              <a:t>распознавание символов, </a:t>
-            </a:r>
-            <a:r>
-              <a:rPr lang="ru-RU" dirty="0" smtClean="0"/>
-              <a:t>которое в настоящее время является очень </a:t>
-            </a:r>
-            <a:r>
-              <a:rPr lang="ru-RU" dirty="0" smtClean="0"/>
-              <a:t>актуальным.</a:t>
+              <a:t>В качестве направления для исследований было выбрано оптическое распознавание символов, которое в настоящее время является очень актуальным.</a:t>
             </a:r>
           </a:p>
           <a:p>
@@ -3981,7 +4685,7 @@
       </p:grpSpPr>
       <p:sp>
         <p:nvSpPr>
-          <p:cNvPr id="4" name="Заголовок 3"/>
+          <p:cNvPr id="5" name="Заголовок 4"/>
           <p:cNvSpPr>
             <a:spLocks noGrp="1"/>
           </p:cNvSpPr>
@@ -3996,7 +4700,50 @@
           <a:p>
             <a:r>
               <a:rPr lang="ru-RU" dirty="0" smtClean="0"/>
-              <a:t>Сверточная нейронная сеть</a:t>
+              <a:t>Нейронная сеть</a:t>
+            </a:r>
+            <a:endParaRPr lang="ru-RU" dirty="0"/>
+          </a:p>
+        </p:txBody>
+      </p:sp>
+      <p:sp>
+        <p:nvSpPr>
+          <p:cNvPr id="7" name="Текст 6"/>
+          <p:cNvSpPr>
+            <a:spLocks noGrp="1"/>
+          </p:cNvSpPr>
+          <p:nvPr>
+            <p:ph type="body" idx="2"/>
+          </p:nvPr>
+        </p:nvSpPr>
+        <p:spPr/>
+        <p:txBody>
+          <a:bodyPr>
+            <a:normAutofit/>
+          </a:bodyPr>
+          <a:lstStyle/>
+          <a:p>
+            <a:r>
+              <a:rPr lang="ru-RU" dirty="0" smtClean="0"/>
+              <a:t>Представляет </a:t>
+            </a:r>
+            <a:r>
+              <a:rPr lang="ru-RU" dirty="0" smtClean="0"/>
+              <a:t>собой систему соединённых и взаимодействующих между собой простых процессоров (искусственных нейронов</a:t>
+            </a:r>
+            <a:r>
+              <a:rPr lang="ru-RU" dirty="0" smtClean="0"/>
+              <a:t>).</a:t>
+            </a:r>
+          </a:p>
+          <a:p>
+            <a:r>
+              <a:rPr lang="ru-RU" dirty="0" smtClean="0"/>
+              <a:t>Каждый процессор подобной </a:t>
+            </a:r>
+            <a:r>
+              <a:rPr lang="ru-RU" dirty="0" smtClean="0"/>
+              <a:t>сети имеет дело только с сигналами, которые он периодически получает, и сигналами, которые он периодически посылает другим процессорам.</a:t>
             </a:r>
             <a:endParaRPr lang="ru-RU" dirty="0"/>
           </a:p>
@@ -4004,94 +4751,27 @@
       </p:sp>
       <p:pic>
         <p:nvPicPr>
-          <p:cNvPr id="7" name="Рисунок 6" descr="Convolutional Neural Network.png"/>
+          <p:cNvPr id="10" name="Содержимое 9" descr="Neural Network.png"/>
           <p:cNvPicPr>
             <a:picLocks noGrp="1" noChangeAspect="1"/>
           </p:cNvPicPr>
           <p:nvPr>
-            <p:ph type="pic" idx="1"/>
+            <p:ph sz="quarter" idx="1"/>
           </p:nvPr>
         </p:nvPicPr>
         <p:blipFill>
           <a:blip r:embed="rId2" cstate="print"/>
-          <a:srcRect l="1422" r="1422"/>
           <a:stretch>
             <a:fillRect/>
           </a:stretch>
         </p:blipFill>
-        <p:spPr/>
+        <p:spPr>
+          <a:xfrm>
+            <a:off x="942665" y="1776219"/>
+            <a:ext cx="4439270" cy="2772162"/>
+          </a:xfrm>
+        </p:spPr>
       </p:pic>
-      <p:sp>
-        <p:nvSpPr>
-          <p:cNvPr id="6" name="Текст 5"/>
-          <p:cNvSpPr>
-            <a:spLocks noGrp="1"/>
-          </p:cNvSpPr>
-          <p:nvPr>
-            <p:ph type="body" sz="half" idx="2"/>
-          </p:nvPr>
-        </p:nvSpPr>
-        <p:spPr/>
-        <p:txBody>
-          <a:bodyPr/>
-          <a:lstStyle/>
-          <a:p>
-            <a:r>
-              <a:rPr lang="ru-RU" dirty="0" smtClean="0"/>
-              <a:t>Идея сверточных нейронных сетей заключается в чередовании сверточных слоев (</a:t>
-            </a:r>
-            <a:r>
-              <a:rPr lang="ru-RU" dirty="0" err="1" smtClean="0"/>
-              <a:t>C-layers</a:t>
-            </a:r>
-            <a:r>
-              <a:rPr lang="ru-RU" dirty="0" smtClean="0"/>
-              <a:t>), </a:t>
-            </a:r>
-            <a:r>
-              <a:rPr lang="ru-RU" dirty="0" err="1" smtClean="0"/>
-              <a:t>субдискретизирующих</a:t>
-            </a:r>
-            <a:r>
-              <a:rPr lang="ru-RU" dirty="0" smtClean="0"/>
-              <a:t> </a:t>
-            </a:r>
-            <a:r>
-              <a:rPr lang="ru-RU" dirty="0" err="1" smtClean="0"/>
-              <a:t>слоев</a:t>
-            </a:r>
-            <a:r>
-              <a:rPr lang="ru-RU" dirty="0" smtClean="0"/>
-              <a:t> (</a:t>
-            </a:r>
-            <a:r>
-              <a:rPr lang="ru-RU" dirty="0" err="1" smtClean="0"/>
-              <a:t>S-layers</a:t>
-            </a:r>
-            <a:r>
-              <a:rPr lang="ru-RU" dirty="0" smtClean="0"/>
-              <a:t>) и наличии </a:t>
-            </a:r>
-            <a:r>
-              <a:rPr lang="ru-RU" dirty="0" err="1" smtClean="0"/>
-              <a:t>полносвязных</a:t>
-            </a:r>
-            <a:r>
-              <a:rPr lang="ru-RU" dirty="0" smtClean="0"/>
-              <a:t> (</a:t>
-            </a:r>
-            <a:r>
-              <a:rPr lang="ru-RU" dirty="0" err="1" smtClean="0"/>
-              <a:t>F-layers</a:t>
-            </a:r>
-            <a:r>
-              <a:rPr lang="ru-RU" dirty="0" smtClean="0"/>
-              <a:t>) слоев на выходе.</a:t>
-            </a:r>
-            <a:endParaRPr lang="ru-RU" dirty="0"/>
-          </a:p>
-        </p:txBody>
-      </p:sp>
     </p:spTree>
   </p:cSld>
   <p:clrMapOvr>
@@ -4119,6 +4799,100 @@
       </p:grpSpPr>
       <p:sp>
         <p:nvSpPr>
+          <p:cNvPr id="2" name="Заголовок 1"/>
+          <p:cNvSpPr>
+            <a:spLocks noGrp="1"/>
+          </p:cNvSpPr>
+          <p:nvPr>
+            <p:ph type="title"/>
+          </p:nvPr>
+        </p:nvSpPr>
+        <p:spPr/>
+        <p:txBody>
+          <a:bodyPr/>
+          <a:lstStyle/>
+          <a:p>
+            <a:r>
+              <a:rPr lang="ru-RU" dirty="0" smtClean="0"/>
+              <a:t>Искусственный нейрон</a:t>
+            </a:r>
+            <a:endParaRPr lang="ru-RU" dirty="0"/>
+          </a:p>
+        </p:txBody>
+      </p:sp>
+      <p:sp>
+        <p:nvSpPr>
+          <p:cNvPr id="3" name="Текст 2"/>
+          <p:cNvSpPr>
+            <a:spLocks noGrp="1"/>
+          </p:cNvSpPr>
+          <p:nvPr>
+            <p:ph type="body" idx="2"/>
+          </p:nvPr>
+        </p:nvSpPr>
+        <p:spPr/>
+        <p:txBody>
+          <a:bodyPr/>
+          <a:lstStyle/>
+          <a:p>
+            <a:r>
+              <a:rPr lang="ru-RU" dirty="0" smtClean="0"/>
+              <a:t> Искусственный нейрон обычно представляют как некоторую нелинейную функцию от единственного аргумента — линейной комбинации всех входных сигналов. Полученный результат посылается на единственный выход.</a:t>
+            </a:r>
+            <a:endParaRPr lang="ru-RU" dirty="0"/>
+          </a:p>
+        </p:txBody>
+      </p:sp>
+      <p:pic>
+        <p:nvPicPr>
+          <p:cNvPr id="7" name="Содержимое 6" descr="Artificial Neuron Scheme.png"/>
+          <p:cNvPicPr>
+            <a:picLocks noGrp="1" noChangeAspect="1"/>
+          </p:cNvPicPr>
+          <p:nvPr>
+            <p:ph sz="quarter" idx="1"/>
+          </p:nvPr>
+        </p:nvPicPr>
+        <p:blipFill>
+          <a:blip r:embed="rId2" cstate="print"/>
+          <a:stretch>
+            <a:fillRect/>
+          </a:stretch>
+        </p:blipFill>
+        <p:spPr>
+          <a:xfrm>
+            <a:off x="304800" y="1055890"/>
+            <a:ext cx="5715000" cy="4212820"/>
+          </a:xfrm>
+        </p:spPr>
+      </p:pic>
+    </p:spTree>
+  </p:cSld>
+  <p:clrMapOvr>
+    <a:masterClrMapping/>
+  </p:clrMapOvr>
+</p:sld>
+</file>
+
+<file path=ppt/slides/slide5.xml><?xml version="1.0" encoding="utf-8"?>
+<p:sld xmlns:a="http://schemas.openxmlformats.org/drawingml/2006/main" xmlns:r="http://schemas.openxmlformats.org/officeDocument/2006/relationships" xmlns:p="http://schemas.openxmlformats.org/presentationml/2006/main">
+  <p:cSld>
+    <p:spTree>
+      <p:nvGrpSpPr>
+        <p:cNvPr id="1" name=""/>
+        <p:cNvGrpSpPr/>
+        <p:nvPr/>
+      </p:nvGrpSpPr>
+      <p:grpSpPr>
+        <a:xfrm>
+          <a:off x="0" y="0"/>
+          <a:ext cx="0" cy="0"/>
+          <a:chOff x="0" y="0"/>
+          <a:chExt cx="0" cy="0"/>
+        </a:xfrm>
+      </p:grpSpPr>
+      <p:sp>
+        <p:nvSpPr>
           <p:cNvPr id="5" name="Заголовок 4"/>
           <p:cNvSpPr>
             <a:spLocks noGrp="1"/>
@@ -4129,17 +4903,280 @@
         </p:nvSpPr>
         <p:spPr/>
         <p:txBody>
-          <a:bodyPr/>
+          <a:bodyPr>
+            <a:normAutofit fontScale="90000"/>
+          </a:bodyPr>
           <a:lstStyle/>
           <a:p>
             <a:r>
               <a:rPr lang="ru-RU" dirty="0" smtClean="0"/>
-              <a:t>Благодарим за внимание!</a:t>
+              <a:t>Однослойные сети прямого распространения</a:t>
             </a:r>
             <a:endParaRPr lang="ru-RU" dirty="0"/>
           </a:p>
         </p:txBody>
       </p:sp>
+      <p:pic>
+        <p:nvPicPr>
+          <p:cNvPr id="9" name="Содержимое 8" descr="One-Layer Neural Network.png"/>
+          <p:cNvPicPr>
+            <a:picLocks noGrp="1" noChangeAspect="1"/>
+          </p:cNvPicPr>
+          <p:nvPr>
+            <p:ph sz="quarter" idx="1"/>
+          </p:nvPr>
+        </p:nvPicPr>
+        <p:blipFill>
+          <a:blip r:embed="rId2" cstate="print"/>
+          <a:stretch>
+            <a:fillRect/>
+          </a:stretch>
+        </p:blipFill>
+        <p:spPr>
+          <a:xfrm>
+            <a:off x="1756969" y="1606259"/>
+            <a:ext cx="5630061" cy="4163006"/>
+          </a:xfrm>
+        </p:spPr>
+      </p:pic>
+    </p:spTree>
+  </p:cSld>
+  <p:clrMapOvr>
+    <a:masterClrMapping/>
+  </p:clrMapOvr>
+</p:sld>
+</file>
+
+<file path=ppt/slides/slide6.xml><?xml version="1.0" encoding="utf-8"?>
+<p:sld xmlns:a="http://schemas.openxmlformats.org/drawingml/2006/main" xmlns:r="http://schemas.openxmlformats.org/officeDocument/2006/relationships" xmlns:p="http://schemas.openxmlformats.org/presentationml/2006/main">
+  <p:cSld>
+    <p:spTree>
+      <p:nvGrpSpPr>
+        <p:cNvPr id="1" name=""/>
+        <p:cNvGrpSpPr/>
+        <p:nvPr/>
+      </p:nvGrpSpPr>
+      <p:grpSpPr>
+        <a:xfrm>
+          <a:off x="0" y="0"/>
+          <a:ext cx="0" cy="0"/>
+          <a:chOff x="0" y="0"/>
+          <a:chExt cx="0" cy="0"/>
+        </a:xfrm>
+      </p:grpSpPr>
+      <p:sp>
+        <p:nvSpPr>
+          <p:cNvPr id="2" name="Заголовок 1"/>
+          <p:cNvSpPr>
+            <a:spLocks noGrp="1"/>
+          </p:cNvSpPr>
+          <p:nvPr>
+            <p:ph type="title"/>
+          </p:nvPr>
+        </p:nvSpPr>
+        <p:spPr/>
+        <p:txBody>
+          <a:bodyPr>
+            <a:normAutofit fontScale="90000"/>
+          </a:bodyPr>
+          <a:lstStyle/>
+          <a:p>
+            <a:r>
+              <a:rPr lang="ru-RU" dirty="0" smtClean="0"/>
+              <a:t>Многослойные сети прямого распространения</a:t>
+            </a:r>
+            <a:endParaRPr lang="ru-RU" dirty="0"/>
+          </a:p>
+        </p:txBody>
+      </p:sp>
+      <p:sp>
+        <p:nvSpPr>
+          <p:cNvPr id="8" name="Текст 7"/>
+          <p:cNvSpPr>
+            <a:spLocks noGrp="1"/>
+          </p:cNvSpPr>
+          <p:nvPr>
+            <p:ph type="body" idx="2"/>
+          </p:nvPr>
+        </p:nvSpPr>
+        <p:spPr/>
+        <p:txBody>
+          <a:bodyPr/>
+          <a:lstStyle/>
+          <a:p>
+            <a:r>
+              <a:rPr lang="ru-RU" dirty="0" smtClean="0"/>
+              <a:t>Характеризуются наличием одного или нескольких скрытых слоев, которых заключается в посредничестве между внешним входным сигналом и выходом нейронной сети. </a:t>
+            </a:r>
+            <a:endParaRPr lang="ru-RU" dirty="0"/>
+          </a:p>
+        </p:txBody>
+      </p:sp>
+      <p:pic>
+        <p:nvPicPr>
+          <p:cNvPr id="7" name="Содержимое 6" descr="Multi-Layer Neural Network.png"/>
+          <p:cNvPicPr>
+            <a:picLocks noGrp="1" noChangeAspect="1"/>
+          </p:cNvPicPr>
+          <p:nvPr>
+            <p:ph sz="quarter" idx="1"/>
+          </p:nvPr>
+        </p:nvPicPr>
+        <p:blipFill>
+          <a:blip r:embed="rId2" cstate="print"/>
+          <a:stretch>
+            <a:fillRect/>
+          </a:stretch>
+        </p:blipFill>
+        <p:spPr>
+          <a:xfrm>
+            <a:off x="304800" y="1211975"/>
+            <a:ext cx="5715000" cy="3900650"/>
+          </a:xfrm>
+        </p:spPr>
+      </p:pic>
+    </p:spTree>
+  </p:cSld>
+  <p:clrMapOvr>
+    <a:masterClrMapping/>
+  </p:clrMapOvr>
+</p:sld>
+</file>
+
+<file path=ppt/slides/slide7.xml><?xml version="1.0" encoding="utf-8"?>
+<p:sld xmlns:a="http://schemas.openxmlformats.org/drawingml/2006/main" xmlns:r="http://schemas.openxmlformats.org/officeDocument/2006/relationships" xmlns:p="http://schemas.openxmlformats.org/presentationml/2006/main">
+  <p:cSld>
+    <p:spTree>
+      <p:nvGrpSpPr>
+        <p:cNvPr id="1" name=""/>
+        <p:cNvGrpSpPr/>
+        <p:nvPr/>
+      </p:nvGrpSpPr>
+      <p:grpSpPr>
+        <a:xfrm>
+          <a:off x="0" y="0"/>
+          <a:ext cx="0" cy="0"/>
+          <a:chOff x="0" y="0"/>
+          <a:chExt cx="0" cy="0"/>
+        </a:xfrm>
+      </p:grpSpPr>
+      <p:sp>
+        <p:nvSpPr>
+          <p:cNvPr id="2" name="Заголовок 1"/>
+          <p:cNvSpPr>
+            <a:spLocks noGrp="1"/>
+          </p:cNvSpPr>
+          <p:nvPr>
+            <p:ph type="title"/>
+          </p:nvPr>
+        </p:nvSpPr>
+        <p:spPr/>
+        <p:txBody>
+          <a:bodyPr/>
+          <a:lstStyle/>
+          <a:p>
+            <a:r>
+              <a:rPr lang="ru-RU" dirty="0" smtClean="0"/>
+              <a:t>Рекуррентные сети</a:t>
+            </a:r>
+            <a:endParaRPr lang="ru-RU" dirty="0"/>
+          </a:p>
+        </p:txBody>
+      </p:sp>
+      <p:sp>
+        <p:nvSpPr>
+          <p:cNvPr id="10" name="Текст 9"/>
+          <p:cNvSpPr>
+            <a:spLocks noGrp="1"/>
+          </p:cNvSpPr>
+          <p:nvPr>
+            <p:ph type="body" idx="2"/>
+          </p:nvPr>
+        </p:nvSpPr>
+        <p:spPr/>
+        <p:txBody>
+          <a:bodyPr/>
+          <a:lstStyle/>
+          <a:p>
+            <a:r>
+              <a:rPr lang="ru-RU" dirty="0" smtClean="0"/>
+              <a:t>Рекуррентная нейронная сеть отличается от сети прямого распространения наличием по крайней мере одной обратной связи.</a:t>
+            </a:r>
+            <a:endParaRPr lang="ru-RU" dirty="0"/>
+          </a:p>
+        </p:txBody>
+      </p:sp>
+      <p:pic>
+        <p:nvPicPr>
+          <p:cNvPr id="9" name="Содержимое 8" descr="Recurrent Neural Network.png"/>
+          <p:cNvPicPr>
+            <a:picLocks noGrp="1" noChangeAspect="1"/>
+          </p:cNvPicPr>
+          <p:nvPr>
+            <p:ph sz="quarter" idx="1"/>
+          </p:nvPr>
+        </p:nvPicPr>
+        <p:blipFill>
+          <a:blip r:embed="rId2" cstate="print"/>
+          <a:stretch>
+            <a:fillRect/>
+          </a:stretch>
+        </p:blipFill>
+        <p:spPr>
+          <a:xfrm>
+            <a:off x="418862" y="1098625"/>
+            <a:ext cx="5486876" cy="4127350"/>
+          </a:xfrm>
+        </p:spPr>
+      </p:pic>
+    </p:spTree>
+  </p:cSld>
+  <p:clrMapOvr>
+    <a:masterClrMapping/>
+  </p:clrMapOvr>
+</p:sld>
+</file>
+
+<file path=ppt/slides/slide8.xml><?xml version="1.0" encoding="utf-8"?>
+<p:sld xmlns:a="http://schemas.openxmlformats.org/drawingml/2006/main" xmlns:r="http://schemas.openxmlformats.org/officeDocument/2006/relationships" xmlns:p="http://schemas.openxmlformats.org/presentationml/2006/main">
+  <p:cSld>
+    <p:spTree>
+      <p:nvGrpSpPr>
+        <p:cNvPr id="1" name=""/>
+        <p:cNvGrpSpPr/>
+        <p:nvPr/>
+      </p:nvGrpSpPr>
+      <p:grpSpPr>
+        <a:xfrm>
+          <a:off x="0" y="0"/>
+          <a:ext cx="0" cy="0"/>
+          <a:chOff x="0" y="0"/>
+          <a:chExt cx="0" cy="0"/>
+        </a:xfrm>
+      </p:grpSpPr>
+      <p:sp>
+        <p:nvSpPr>
+          <p:cNvPr id="4" name="Заголовок 3"/>
+          <p:cNvSpPr>
+            <a:spLocks noGrp="1"/>
+          </p:cNvSpPr>
+          <p:nvPr>
+            <p:ph type="title"/>
+          </p:nvPr>
+        </p:nvSpPr>
+        <p:spPr/>
+        <p:txBody>
+          <a:bodyPr/>
+          <a:lstStyle/>
+          <a:p>
+            <a:r>
+              <a:rPr lang="ru-RU" dirty="0" smtClean="0"/>
+              <a:t>Сверточные нейронные сети</a:t>
+            </a:r>
+            <a:endParaRPr lang="ru-RU" dirty="0"/>
+          </a:p>
+        </p:txBody>
+      </p:sp>
       <p:sp>
         <p:nvSpPr>
           <p:cNvPr id="6" name="Текст 5"/>
@@ -4147,6 +5184,148 @@
             <a:spLocks noGrp="1"/>
           </p:cNvSpPr>
           <p:nvPr>
+            <p:ph type="body" sz="half" idx="2"/>
+          </p:nvPr>
+        </p:nvSpPr>
+        <p:spPr/>
+        <p:txBody>
+          <a:bodyPr/>
+          <a:lstStyle/>
+          <a:p>
+            <a:r>
+              <a:rPr lang="ru-RU" dirty="0" smtClean="0"/>
+              <a:t>Идея сверточных нейронных сетей заключается в чередовании сверточных слоев (</a:t>
+            </a:r>
+            <a:r>
+              <a:rPr lang="ru-RU" dirty="0" err="1" smtClean="0"/>
+              <a:t>C-layers</a:t>
+            </a:r>
+            <a:r>
+              <a:rPr lang="ru-RU" dirty="0" smtClean="0"/>
+              <a:t>), </a:t>
+            </a:r>
+            <a:r>
+              <a:rPr lang="ru-RU" dirty="0" err="1" smtClean="0"/>
+              <a:t>субдискретизирующих</a:t>
+            </a:r>
+            <a:r>
+              <a:rPr lang="ru-RU" dirty="0" smtClean="0"/>
+              <a:t> </a:t>
+            </a:r>
+            <a:r>
+              <a:rPr lang="ru-RU" dirty="0" err="1" smtClean="0"/>
+              <a:t>слоев</a:t>
+            </a:r>
+            <a:r>
+              <a:rPr lang="ru-RU" dirty="0" smtClean="0"/>
+              <a:t> (</a:t>
+            </a:r>
+            <a:r>
+              <a:rPr lang="ru-RU" dirty="0" err="1" smtClean="0"/>
+              <a:t>S-layers</a:t>
+            </a:r>
+            <a:r>
+              <a:rPr lang="ru-RU" dirty="0" smtClean="0"/>
+              <a:t>) и наличии </a:t>
+            </a:r>
+            <a:r>
+              <a:rPr lang="ru-RU" dirty="0" err="1" smtClean="0"/>
+              <a:t>полносвязных</a:t>
+            </a:r>
+            <a:r>
+              <a:rPr lang="ru-RU" dirty="0" smtClean="0"/>
+              <a:t> (</a:t>
+            </a:r>
+            <a:r>
+              <a:rPr lang="ru-RU" dirty="0" err="1" smtClean="0"/>
+              <a:t>F-layers</a:t>
+            </a:r>
+            <a:r>
+              <a:rPr lang="ru-RU" dirty="0" smtClean="0"/>
+              <a:t>) слоев на выходе.</a:t>
+            </a:r>
+            <a:endParaRPr lang="ru-RU" dirty="0"/>
+          </a:p>
+        </p:txBody>
+      </p:sp>
+      <p:pic>
+        <p:nvPicPr>
+          <p:cNvPr id="12" name="Рисунок 11" descr="Convolutional Neural Network.png"/>
+          <p:cNvPicPr>
+            <a:picLocks noGrp="1" noChangeAspect="1"/>
+          </p:cNvPicPr>
+          <p:nvPr>
+            <p:ph type="pic" idx="1"/>
+          </p:nvPr>
+        </p:nvPicPr>
+        <p:blipFill>
+          <a:blip r:embed="rId2" cstate="print"/>
+          <a:srcRect l="1422" r="1422"/>
+          <a:stretch>
+            <a:fillRect/>
+          </a:stretch>
+        </p:blipFill>
+        <p:spPr>
+          <a:noFill/>
+        </p:spPr>
+      </p:pic>
+    </p:spTree>
+  </p:cSld>
+  <p:clrMapOvr>
+    <a:masterClrMapping/>
+  </p:clrMapOvr>
+</p:sld>
+</file>
+
+<file path=ppt/slides/slide9.xml><?xml version="1.0" encoding="utf-8"?>
+<p:sld xmlns:a="http://schemas.openxmlformats.org/drawingml/2006/main" xmlns:r="http://schemas.openxmlformats.org/officeDocument/2006/relationships" xmlns:p="http://schemas.openxmlformats.org/presentationml/2006/main">
+  <p:cSld>
+    <p:spTree>
+      <p:nvGrpSpPr>
+        <p:cNvPr id="1" name=""/>
+        <p:cNvGrpSpPr/>
+        <p:nvPr/>
+      </p:nvGrpSpPr>
+      <p:grpSpPr>
+        <a:xfrm>
+          <a:off x="0" y="0"/>
+          <a:ext cx="0" cy="0"/>
+          <a:chOff x="0" y="0"/>
+          <a:chExt cx="0" cy="0"/>
+        </a:xfrm>
+      </p:grpSpPr>
+      <p:sp>
+        <p:nvSpPr>
+          <p:cNvPr id="5" name="Заголовок 4"/>
+          <p:cNvSpPr>
+            <a:spLocks noGrp="1"/>
+          </p:cNvSpPr>
+          <p:nvPr>
+            <p:ph type="title"/>
+          </p:nvPr>
+        </p:nvSpPr>
+        <p:spPr/>
+        <p:txBody>
+          <a:bodyPr>
+            <a:normAutofit/>
+          </a:bodyPr>
+          <a:lstStyle/>
+          <a:p>
+            <a:r>
+              <a:rPr lang="ru-RU" dirty="0" smtClean="0"/>
+              <a:t>Сверточные нейронные сети</a:t>
+            </a:r>
+            <a:endParaRPr lang="ru-RU" dirty="0"/>
+          </a:p>
+        </p:txBody>
+      </p:sp>
+      <p:sp>
+        <p:nvSpPr>
+          <p:cNvPr id="8" name="Текст 7"/>
+          <p:cNvSpPr>
+            <a:spLocks noGrp="1"/>
+          </p:cNvSpPr>
+          <p:nvPr>
             <p:ph type="body" idx="1"/>
           </p:nvPr>
         </p:nvSpPr>
@@ -4155,7 +5334,116 @@
           <a:bodyPr/>
           <a:lstStyle/>
           <a:p>
-            <a:endParaRPr lang="ru-RU"/>
+            <a:r>
+              <a:rPr lang="ru-RU" dirty="0" smtClean="0"/>
+              <a:t>Преимущества</a:t>
+            </a:r>
+            <a:endParaRPr lang="ru-RU" dirty="0"/>
+          </a:p>
+        </p:txBody>
+      </p:sp>
+      <p:sp>
+        <p:nvSpPr>
+          <p:cNvPr id="9" name="Текст 8"/>
+          <p:cNvSpPr>
+            <a:spLocks noGrp="1"/>
+          </p:cNvSpPr>
+          <p:nvPr>
+            <p:ph type="body" sz="half" idx="3"/>
+          </p:nvPr>
+        </p:nvSpPr>
+        <p:spPr/>
+        <p:txBody>
+          <a:bodyPr/>
+          <a:lstStyle/>
+          <a:p>
+            <a:r>
+              <a:rPr lang="ru-RU" dirty="0" smtClean="0"/>
+              <a:t>Недостатки</a:t>
+            </a:r>
+            <a:endParaRPr lang="ru-RU" dirty="0"/>
+          </a:p>
+        </p:txBody>
+      </p:sp>
+      <p:sp>
+        <p:nvSpPr>
+          <p:cNvPr id="6" name="Содержимое 5"/>
+          <p:cNvSpPr>
+            <a:spLocks noGrp="1"/>
+          </p:cNvSpPr>
+          <p:nvPr>
+            <p:ph sz="quarter" idx="2"/>
+          </p:nvPr>
+        </p:nvSpPr>
+        <p:spPr/>
+        <p:txBody>
+          <a:bodyPr>
+            <a:normAutofit lnSpcReduction="10000"/>
+          </a:bodyPr>
+          <a:lstStyle/>
+          <a:p>
+            <a:r>
+              <a:rPr lang="ru-RU" dirty="0" smtClean="0"/>
+              <a:t>Разделяемые </a:t>
+            </a:r>
+            <a:r>
+              <a:rPr lang="ru-RU" dirty="0" smtClean="0"/>
+              <a:t>веса позволяют </a:t>
+            </a:r>
+            <a:r>
+              <a:rPr lang="ru-RU" dirty="0" smtClean="0"/>
+              <a:t>существенно сэкономить на </a:t>
+            </a:r>
+            <a:r>
+              <a:rPr lang="ru-RU" dirty="0" smtClean="0"/>
+              <a:t>памяти</a:t>
+            </a:r>
+          </a:p>
+          <a:p>
+            <a:r>
+              <a:rPr lang="ru-RU" dirty="0" smtClean="0"/>
+              <a:t>Локальное </a:t>
+            </a:r>
+            <a:r>
+              <a:rPr lang="ru-RU" dirty="0" smtClean="0"/>
+              <a:t>восприятие позволяет </a:t>
+            </a:r>
+            <a:r>
+              <a:rPr lang="ru-RU" dirty="0" smtClean="0"/>
+              <a:t>сохранять топологию изображения от слоя к </a:t>
+            </a:r>
+            <a:r>
+              <a:rPr lang="ru-RU" dirty="0" smtClean="0"/>
+              <a:t>слою, учитывая пространственную организацию </a:t>
+            </a:r>
+            <a:r>
+              <a:rPr lang="ru-RU" dirty="0" smtClean="0"/>
+              <a:t>пикселей входного изображения</a:t>
+            </a:r>
+            <a:endParaRPr lang="ru-RU" dirty="0"/>
+          </a:p>
+        </p:txBody>
+      </p:sp>
+      <p:sp>
+        <p:nvSpPr>
+          <p:cNvPr id="10" name="Содержимое 9"/>
+          <p:cNvSpPr>
+            <a:spLocks noGrp="1"/>
+          </p:cNvSpPr>
+          <p:nvPr>
+            <p:ph sz="quarter" idx="4"/>
+          </p:nvPr>
+        </p:nvSpPr>
+        <p:spPr/>
+        <p:txBody>
+          <a:bodyPr/>
+          <a:lstStyle/>
+          <a:p>
+            <a:r>
+              <a:rPr lang="ru-RU" dirty="0" smtClean="0"/>
+              <a:t>Малая скорость обучения</a:t>
+            </a:r>
+            <a:endParaRPr lang="ru-RU" dirty="0"/>
           </a:p>
         </p:txBody>
       </p:sp>
@@ -4497,4 +5785,287 @@
   <a:objectDefaults/>
   <a:extraClrSchemeLst/>
 </a:theme>
+</file>
+
+<file path=ppt/theme/theme2.xml><?xml version="1.0" encoding="utf-8"?>
+<a:theme xmlns:a="http://schemas.openxmlformats.org/drawingml/2006/main" name="Тема Office">
+  <a:themeElements>
+    <a:clrScheme name="Стандартная">
+      <a:dk1>
+        <a:sysClr val="windowText" lastClr="000000"/>
+      </a:dk1>
+      <a:lt1>
+        <a:sysClr val="window" lastClr="FFFFFF"/>
+      </a:lt1>
+      <a:dk2>
+        <a:srgbClr val="1F497D"/>
+      </a:dk2>
+      <a:lt2>
+        <a:srgbClr val="EEECE1"/>
+      </a:lt2>
+      <a:accent1>
+        <a:srgbClr val="4F81BD"/>
+      </a:accent1>
+      <a:accent2>
+        <a:srgbClr val="C0504D"/>
+      </a:accent2>
+      <a:accent3>
+        <a:srgbClr val="9BBB59"/>
+      </a:accent3>
+      <a:accent4>
+        <a:srgbClr val="8064A2"/>
+      </a:accent4>
+      <a:accent5>
+        <a:srgbClr val="4BACC6"/>
+      </a:accent5>
+      <a:accent6>
+        <a:srgbClr val="F79646"/>
+      </a:accent6>
+      <a:hlink>
+        <a:srgbClr val="0000FF"/>
+      </a:hlink>
+      <a:folHlink>
+        <a:srgbClr val="800080"/>
+      </a:folHlink>
+    </a:clrScheme>
+    <a:fontScheme name="Стандартная">
+      <a:majorFont>
+        <a:latin typeface="Calibri"/>
+        <a:ea typeface=""/>
+        <a:cs typeface=""/>
+        <a:font script="Jpan" typeface="ＭＳ Ｐゴシック"/>
+        <a:font script="Hang" typeface="맑은 고딕"/>
+        <a:font script="Hans" typeface="宋体"/>
+        <a:font script="Hant" typeface="新細明體"/>
+        <a:font script="Arab" typeface="Times New Roman"/>
+        <a:font script="Hebr" typeface="Times New Roman"/>
+        <a:font script="Thai" typeface="Angsana New"/>
+        <a:font script="Ethi" typeface="Nyala"/>
+        <a:font script="Beng" typeface="Vrinda"/>
+        <a:font script="Gujr" typeface="Shruti"/>
+        <a:font script="Khmr" typeface="MoolBoran"/>
+        <a:font script="Knda" typeface="Tunga"/>
+        <a:font script="Guru" typeface="Raavi"/>
+        <a:font script="Cans" typeface="Euphemia"/>
+        <a:font script="Cher" typeface="Plantagenet Cherokee"/>
+        <a:font script="Yiii" typeface="Microsoft Yi Baiti"/>
+        <a:font script="Tibt" typeface="Microsoft Himalaya"/>
+        <a:font script="Thaa" typeface="MV Boli"/>
+        <a:font script="Deva" typeface="Mangal"/>
+        <a:font script="Telu" typeface="Gautami"/>
+        <a:font script="Taml" typeface="Latha"/>
+        <a:font script="Syrc" typeface="Estrangelo Edessa"/>
+        <a:font script="Orya" typeface="Kalinga"/>
+        <a:font script="Mlym" typeface="Kartika"/>
+        <a:font script="Laoo" typeface="DokChampa"/>
+        <a:font script="Sinh" typeface="Iskoola Pota"/>
+        <a:font script="Mong" typeface="Mongolian Baiti"/>
+        <a:font script="Viet" typeface="Times New Roman"/>
+        <a:font script="Uigh" typeface="Microsoft Uighur"/>
+      </a:majorFont>
+      <a:minorFont>
+        <a:latin typeface="Calibri"/>
+        <a:ea typeface=""/>
+        <a:cs typeface=""/>
+        <a:font script="Jpan" typeface="ＭＳ Ｐゴシック"/>
+        <a:font script="Hang" typeface="맑은 고딕"/>
+        <a:font script="Hans" typeface="宋体"/>
+        <a:font script="Hant" typeface="新細明體"/>
+        <a:font script="Arab" typeface="Arial"/>
+        <a:font script="Hebr" typeface="Arial"/>
+        <a:font script="Thai" typeface="Cordia New"/>
+        <a:font script="Ethi" typeface="Nyala"/>
+        <a:font script="Beng" typeface="Vrinda"/>
+        <a:font script="Gujr" typeface="Shruti"/>
+        <a:font script="Khmr" typeface="DaunPenh"/>
+        <a:font script="Knda" typeface="Tunga"/>
+        <a:font script="Guru" typeface="Raavi"/>
+        <a:font script="Cans" typeface="Euphemia"/>
+        <a:font script="Cher" typeface="Plantagenet Cherokee"/>
+        <a:font script="Yiii" typeface="Microsoft Yi Baiti"/>
+        <a:font script="Tibt" typeface="Microsoft Himalaya"/>
+        <a:font script="Thaa" typeface="MV Boli"/>
+        <a:font script="Deva" typeface="Mangal"/>
+        <a:font script="Telu" typeface="Gautami"/>
+        <a:font script="Taml" typeface="Latha"/>
+        <a:font script="Syrc" typeface="Estrangelo Edessa"/>
+        <a:font script="Orya" typeface="Kalinga"/>
+        <a:font script="Mlym" typeface="Kartika"/>
+        <a:font script="Laoo" typeface="DokChampa"/>
+        <a:font script="Sinh" typeface="Iskoola Pota"/>
+        <a:font script="Mong" typeface="Mongolian Baiti"/>
+        <a:font script="Viet" typeface="Arial"/>
+        <a:font script="Uigh" typeface="Microsoft Uighur"/>
+      </a:minorFont>
+    </a:fontScheme>
+    <a:fmtScheme name="Стандартная">
+      <a:fillStyleLst>
+        <a:solidFill>
+          <a:schemeClr val="phClr"/>
+        </a:solidFill>
+        <a:gradFill rotWithShape="1">
+          <a:gsLst>
+            <a:gs pos="0">
+              <a:schemeClr val="phClr">
+                <a:tint val="50000"/>
+                <a:satMod val="300000"/>
+              </a:schemeClr>
+            </a:gs>
+            <a:gs pos="35000">
+              <a:schemeClr val="phClr">
+                <a:tint val="37000"/>
+                <a:satMod val="300000"/>
+              </a:schemeClr>
+            </a:gs>
+            <a:gs pos="100000">
+              <a:schemeClr val="phClr">
+                <a:tint val="15000"/>
+                <a:satMod val="350000"/>
+              </a:schemeClr>
+            </a:gs>
+          </a:gsLst>
+          <a:lin ang="16200000" scaled="1"/>
+        </a:gradFill>
+        <a:gradFill rotWithShape="1">
+          <a:gsLst>
+            <a:gs pos="0">
+              <a:schemeClr val="phClr">
+                <a:shade val="51000"/>
+                <a:satMod val="130000"/>
+              </a:schemeClr>
+            </a:gs>
+            <a:gs pos="80000">
+              <a:schemeClr val="phClr">
+                <a:shade val="93000"/>
+                <a:satMod val="130000"/>
+              </a:schemeClr>
+            </a:gs>
+            <a:gs pos="100000">
+              <a:schemeClr val="phClr">
+                <a:shade val="94000"/>
+                <a:satMod val="135000"/>
+              </a:schemeClr>
+            </a:gs>
+          </a:gsLst>
+          <a:lin ang="16200000" scaled="0"/>
+        </a:gradFill>
+      </a:fillStyleLst>
+      <a:lnStyleLst>
+        <a:ln w="9525" cap="flat" cmpd="sng" algn="ctr">
+          <a:solidFill>
+            <a:schemeClr val="phClr">
+              <a:shade val="95000"/>
+              <a:satMod val="105000"/>
+            </a:schemeClr>
+          </a:solidFill>
+          <a:prstDash val="solid"/>
+        </a:ln>
+        <a:ln w="25400" cap="flat" cmpd="sng" algn="ctr">
+          <a:solidFill>
+            <a:schemeClr val="phClr"/>
+          </a:solidFill>
+          <a:prstDash val="solid"/>
+        </a:ln>
+        <a:ln w="38100" cap="flat" cmpd="sng" algn="ctr">
+          <a:solidFill>
+            <a:schemeClr val="phClr"/>
+          </a:solidFill>
+          <a:prstDash val="solid"/>
+        </a:ln>
+      </a:lnStyleLst>
+      <a:effectStyleLst>
+        <a:effectStyle>
+          <a:effectLst>
+            <a:outerShdw blurRad="40000" dist="20000" dir="5400000" rotWithShape="0">
+              <a:srgbClr val="000000">
+                <a:alpha val="38000"/>
+              </a:srgbClr>
+            </a:outerShdw>
+          </a:effectLst>
+        </a:effectStyle>
+        <a:effectStyle>
+          <a:effectLst>
+            <a:outerShdw blurRad="40000" dist="23000" dir="5400000" rotWithShape="0">
+              <a:srgbClr val="000000">
+                <a:alpha val="35000"/>
+              </a:srgbClr>
+            </a:outerShdw>
+          </a:effectLst>
+        </a:effectStyle>
+        <a:effectStyle>
+          <a:effectLst>
+            <a:outerShdw blurRad="40000" dist="23000" dir="5400000" rotWithShape="0">
+              <a:srgbClr val="000000">
+                <a:alpha val="35000"/>
+              </a:srgbClr>
+            </a:outerShdw>
+          </a:effectLst>
+          <a:scene3d>
+            <a:camera prst="orthographicFront">
+              <a:rot lat="0" lon="0" rev="0"/>
+            </a:camera>
+            <a:lightRig rig="threePt" dir="t">
+              <a:rot lat="0" lon="0" rev="1200000"/>
+            </a:lightRig>
+          </a:scene3d>
+          <a:sp3d>
+            <a:bevelT w="63500" h="25400"/>
+          </a:sp3d>
+        </a:effectStyle>
+      </a:effectStyleLst>
+      <a:bgFillStyleLst>
+        <a:solidFill>
+          <a:schemeClr val="phClr"/>
+        </a:solidFill>
+        <a:gradFill rotWithShape="1">
+          <a:gsLst>
+            <a:gs pos="0">
+              <a:schemeClr val="phClr">
+                <a:tint val="40000"/>
+                <a:satMod val="350000"/>
+              </a:schemeClr>
+            </a:gs>
+            <a:gs pos="40000">
+              <a:schemeClr val="phClr">
+                <a:tint val="45000"/>
+                <a:shade val="99000"/>
+                <a:satMod val="350000"/>
+              </a:schemeClr>
+            </a:gs>
+            <a:gs pos="100000">
+              <a:schemeClr val="phClr">
+                <a:shade val="20000"/>
+                <a:satMod val="255000"/>
+              </a:schemeClr>
+            </a:gs>
+          </a:gsLst>
+          <a:path path="circle">
+            <a:fillToRect l="50000" t="-80000" r="50000" b="180000"/>
+          </a:path>
+        </a:gradFill>
+        <a:gradFill rotWithShape="1">
+          <a:gsLst>
+            <a:gs pos="0">
+              <a:schemeClr val="phClr">
+                <a:tint val="80000"/>
+                <a:satMod val="300000"/>
+              </a:schemeClr>
+            </a:gs>
+            <a:gs pos="100000">
+              <a:schemeClr val="phClr">
+                <a:shade val="30000"/>
+                <a:satMod val="200000"/>
+              </a:schemeClr>
+            </a:gs>
+          </a:gsLst>
+          <a:path path="circle">
+            <a:fillToRect l="50000" t="50000" r="50000" b="50000"/>
+          </a:path>
+        </a:gradFill>
+      </a:bgFillStyleLst>
+    </a:fmtScheme>
+  </a:themeElements>
+  <a:objectDefaults/>
+  <a:extraClrSchemeLst/>
+</a:theme>
 </file>